--- a/info/MQTT_Sparkplug.pptx
+++ b/info/MQTT_Sparkplug.pptx
@@ -374,7 +374,7 @@
           <a:noFill/>
           <a:extLst>
             <a:ext uri="{909E8E84-426E-40dd-AFC4-6F175D3DCCD1}">
-              <a14:hiddenFill xmlns="" xmlns:a14="http://schemas.microsoft.com/office/drawing/2010/main">
+              <a14:hiddenFill xmlns:a14="http://schemas.microsoft.com/office/drawing/2010/main" xmlns="">
                 <a:solidFill>
                   <a:srgbClr val="FFFFFF"/>
                 </a:solidFill>
@@ -434,7 +434,7 @@
             </a:ln>
             <a:extLst>
               <a:ext uri="{91240B29-F687-4f45-9708-019B960494DF}">
-                <a14:hiddenLine xmlns="" xmlns:a14="http://schemas.microsoft.com/office/drawing/2010/main" w="9525">
+                <a14:hiddenLine xmlns:a14="http://schemas.microsoft.com/office/drawing/2010/main" xmlns="" w="9525">
                   <a:solidFill>
                     <a:srgbClr val="000000"/>
                   </a:solidFill>
@@ -524,7 +524,7 @@
             </a:ln>
             <a:extLst>
               <a:ext uri="{91240B29-F687-4f45-9708-019B960494DF}">
-                <a14:hiddenLine xmlns="" xmlns:a14="http://schemas.microsoft.com/office/drawing/2010/main" w="9525">
+                <a14:hiddenLine xmlns:a14="http://schemas.microsoft.com/office/drawing/2010/main" xmlns="" w="9525">
                   <a:solidFill>
                     <a:srgbClr val="000000"/>
                   </a:solidFill>
@@ -614,7 +614,7 @@
             </a:ln>
             <a:extLst>
               <a:ext uri="{91240B29-F687-4f45-9708-019B960494DF}">
-                <a14:hiddenLine xmlns="" xmlns:a14="http://schemas.microsoft.com/office/drawing/2010/main" w="9525">
+                <a14:hiddenLine xmlns:a14="http://schemas.microsoft.com/office/drawing/2010/main" xmlns="" w="9525">
                   <a:solidFill>
                     <a:srgbClr val="000000"/>
                   </a:solidFill>
@@ -648,7 +648,7 @@
             </a:ln>
             <a:extLst>
               <a:ext uri="{91240B29-F687-4f45-9708-019B960494DF}">
-                <a14:hiddenLine xmlns="" xmlns:a14="http://schemas.microsoft.com/office/drawing/2010/main" w="9525">
+                <a14:hiddenLine xmlns:a14="http://schemas.microsoft.com/office/drawing/2010/main" xmlns="" w="9525">
                   <a:solidFill>
                     <a:srgbClr val="000000"/>
                   </a:solidFill>
@@ -738,7 +738,7 @@
             </a:ln>
             <a:extLst>
               <a:ext uri="{91240B29-F687-4f45-9708-019B960494DF}">
-                <a14:hiddenLine xmlns="" xmlns:a14="http://schemas.microsoft.com/office/drawing/2010/main" w="9525">
+                <a14:hiddenLine xmlns:a14="http://schemas.microsoft.com/office/drawing/2010/main" xmlns="" w="9525">
                   <a:solidFill>
                     <a:srgbClr val="000000"/>
                   </a:solidFill>
@@ -800,7 +800,7 @@
             </a:ln>
             <a:extLst>
               <a:ext uri="{91240B29-F687-4f45-9708-019B960494DF}">
-                <a14:hiddenLine xmlns="" xmlns:a14="http://schemas.microsoft.com/office/drawing/2010/main" w="9525">
+                <a14:hiddenLine xmlns:a14="http://schemas.microsoft.com/office/drawing/2010/main" xmlns="" w="9525">
                   <a:solidFill>
                     <a:srgbClr val="000000"/>
                   </a:solidFill>
@@ -862,7 +862,7 @@
             </a:ln>
             <a:extLst>
               <a:ext uri="{91240B29-F687-4f45-9708-019B960494DF}">
-                <a14:hiddenLine xmlns="" xmlns:a14="http://schemas.microsoft.com/office/drawing/2010/main" w="9525">
+                <a14:hiddenLine xmlns:a14="http://schemas.microsoft.com/office/drawing/2010/main" xmlns="" w="9525">
                   <a:solidFill>
                     <a:srgbClr val="000000"/>
                   </a:solidFill>
@@ -952,7 +952,7 @@
             </a:ln>
             <a:extLst>
               <a:ext uri="{91240B29-F687-4f45-9708-019B960494DF}">
-                <a14:hiddenLine xmlns="" xmlns:a14="http://schemas.microsoft.com/office/drawing/2010/main" w="9525">
+                <a14:hiddenLine xmlns:a14="http://schemas.microsoft.com/office/drawing/2010/main" xmlns="" w="9525">
                   <a:solidFill>
                     <a:srgbClr val="000000"/>
                   </a:solidFill>
@@ -1014,7 +1014,7 @@
             </a:ln>
             <a:extLst>
               <a:ext uri="{91240B29-F687-4f45-9708-019B960494DF}">
-                <a14:hiddenLine xmlns="" xmlns:a14="http://schemas.microsoft.com/office/drawing/2010/main" w="9525">
+                <a14:hiddenLine xmlns:a14="http://schemas.microsoft.com/office/drawing/2010/main" xmlns="" w="9525">
                   <a:solidFill>
                     <a:srgbClr val="000000"/>
                   </a:solidFill>
@@ -1076,7 +1076,7 @@
             </a:ln>
             <a:extLst>
               <a:ext uri="{91240B29-F687-4f45-9708-019B960494DF}">
-                <a14:hiddenLine xmlns="" xmlns:a14="http://schemas.microsoft.com/office/drawing/2010/main" w="9525">
+                <a14:hiddenLine xmlns:a14="http://schemas.microsoft.com/office/drawing/2010/main" xmlns="" w="9525">
                   <a:solidFill>
                     <a:srgbClr val="000000"/>
                   </a:solidFill>
@@ -1166,7 +1166,7 @@
             </a:ln>
             <a:extLst>
               <a:ext uri="{91240B29-F687-4f45-9708-019B960494DF}">
-                <a14:hiddenLine xmlns="" xmlns:a14="http://schemas.microsoft.com/office/drawing/2010/main" w="9525">
+                <a14:hiddenLine xmlns:a14="http://schemas.microsoft.com/office/drawing/2010/main" xmlns="" w="9525">
                   <a:solidFill>
                     <a:srgbClr val="000000"/>
                   </a:solidFill>
@@ -1256,7 +1256,7 @@
             </a:ln>
             <a:extLst>
               <a:ext uri="{91240B29-F687-4f45-9708-019B960494DF}">
-                <a14:hiddenLine xmlns="" xmlns:a14="http://schemas.microsoft.com/office/drawing/2010/main" w="9525">
+                <a14:hiddenLine xmlns:a14="http://schemas.microsoft.com/office/drawing/2010/main" xmlns="" w="9525">
                   <a:solidFill>
                     <a:srgbClr val="000000"/>
                   </a:solidFill>
@@ -1318,7 +1318,7 @@
             </a:ln>
             <a:extLst>
               <a:ext uri="{91240B29-F687-4f45-9708-019B960494DF}">
-                <a14:hiddenLine xmlns="" xmlns:a14="http://schemas.microsoft.com/office/drawing/2010/main" w="9525">
+                <a14:hiddenLine xmlns:a14="http://schemas.microsoft.com/office/drawing/2010/main" xmlns="" w="9525">
                   <a:solidFill>
                     <a:srgbClr val="000000"/>
                   </a:solidFill>
@@ -1428,7 +1428,7 @@
             </a:ln>
             <a:extLst>
               <a:ext uri="{91240B29-F687-4f45-9708-019B960494DF}">
-                <a14:hiddenLine xmlns="" xmlns:a14="http://schemas.microsoft.com/office/drawing/2010/main" w="9525">
+                <a14:hiddenLine xmlns:a14="http://schemas.microsoft.com/office/drawing/2010/main" xmlns="" w="9525">
                   <a:solidFill>
                     <a:srgbClr val="000000"/>
                   </a:solidFill>
@@ -1490,7 +1490,7 @@
             </a:ln>
             <a:extLst>
               <a:ext uri="{91240B29-F687-4f45-9708-019B960494DF}">
-                <a14:hiddenLine xmlns="" xmlns:a14="http://schemas.microsoft.com/office/drawing/2010/main" w="9525">
+                <a14:hiddenLine xmlns:a14="http://schemas.microsoft.com/office/drawing/2010/main" xmlns="" w="9525">
                   <a:solidFill>
                     <a:srgbClr val="000000"/>
                   </a:solidFill>
@@ -1580,7 +1580,7 @@
             </a:ln>
             <a:extLst>
               <a:ext uri="{91240B29-F687-4f45-9708-019B960494DF}">
-                <a14:hiddenLine xmlns="" xmlns:a14="http://schemas.microsoft.com/office/drawing/2010/main" w="9525">
+                <a14:hiddenLine xmlns:a14="http://schemas.microsoft.com/office/drawing/2010/main" xmlns="" w="9525">
                   <a:solidFill>
                     <a:srgbClr val="000000"/>
                   </a:solidFill>
@@ -1670,7 +1670,7 @@
             </a:ln>
             <a:extLst>
               <a:ext uri="{91240B29-F687-4f45-9708-019B960494DF}">
-                <a14:hiddenLine xmlns="" xmlns:a14="http://schemas.microsoft.com/office/drawing/2010/main" w="9525">
+                <a14:hiddenLine xmlns:a14="http://schemas.microsoft.com/office/drawing/2010/main" xmlns="" w="9525">
                   <a:solidFill>
                     <a:srgbClr val="000000"/>
                   </a:solidFill>
@@ -1732,7 +1732,7 @@
             </a:ln>
             <a:extLst>
               <a:ext uri="{91240B29-F687-4f45-9708-019B960494DF}">
-                <a14:hiddenLine xmlns="" xmlns:a14="http://schemas.microsoft.com/office/drawing/2010/main" w="9525">
+                <a14:hiddenLine xmlns:a14="http://schemas.microsoft.com/office/drawing/2010/main" xmlns="" w="9525">
                   <a:solidFill>
                     <a:srgbClr val="000000"/>
                   </a:solidFill>
@@ -1822,7 +1822,7 @@
             </a:ln>
             <a:extLst>
               <a:ext uri="{91240B29-F687-4f45-9708-019B960494DF}">
-                <a14:hiddenLine xmlns="" xmlns:a14="http://schemas.microsoft.com/office/drawing/2010/main" w="9525">
+                <a14:hiddenLine xmlns:a14="http://schemas.microsoft.com/office/drawing/2010/main" xmlns="" w="9525">
                   <a:solidFill>
                     <a:srgbClr val="000000"/>
                   </a:solidFill>
@@ -1912,7 +1912,7 @@
             </a:ln>
             <a:extLst>
               <a:ext uri="{91240B29-F687-4f45-9708-019B960494DF}">
-                <a14:hiddenLine xmlns="" xmlns:a14="http://schemas.microsoft.com/office/drawing/2010/main" w="9525">
+                <a14:hiddenLine xmlns:a14="http://schemas.microsoft.com/office/drawing/2010/main" xmlns="" w="9525">
                   <a:solidFill>
                     <a:srgbClr val="000000"/>
                   </a:solidFill>
@@ -1968,7 +1968,7 @@
             </a:ln>
             <a:extLst>
               <a:ext uri="{91240B29-F687-4f45-9708-019B960494DF}">
-                <a14:hiddenLine xmlns="" xmlns:a14="http://schemas.microsoft.com/office/drawing/2010/main" w="9525">
+                <a14:hiddenLine xmlns:a14="http://schemas.microsoft.com/office/drawing/2010/main" xmlns="" w="9525">
                   <a:solidFill>
                     <a:srgbClr val="000000"/>
                   </a:solidFill>
@@ -2058,7 +2058,7 @@
             </a:ln>
             <a:extLst>
               <a:ext uri="{91240B29-F687-4f45-9708-019B960494DF}">
-                <a14:hiddenLine xmlns="" xmlns:a14="http://schemas.microsoft.com/office/drawing/2010/main" w="9525">
+                <a14:hiddenLine xmlns:a14="http://schemas.microsoft.com/office/drawing/2010/main" xmlns="" w="9525">
                   <a:solidFill>
                     <a:srgbClr val="000000"/>
                   </a:solidFill>
@@ -2114,7 +2114,7 @@
             </a:ln>
             <a:extLst>
               <a:ext uri="{91240B29-F687-4f45-9708-019B960494DF}">
-                <a14:hiddenLine xmlns="" xmlns:a14="http://schemas.microsoft.com/office/drawing/2010/main" w="9525">
+                <a14:hiddenLine xmlns:a14="http://schemas.microsoft.com/office/drawing/2010/main" xmlns="" w="9525">
                   <a:solidFill>
                     <a:srgbClr val="000000"/>
                   </a:solidFill>
@@ -2204,7 +2204,7 @@
             </a:ln>
             <a:extLst>
               <a:ext uri="{91240B29-F687-4f45-9708-019B960494DF}">
-                <a14:hiddenLine xmlns="" xmlns:a14="http://schemas.microsoft.com/office/drawing/2010/main" w="9525">
+                <a14:hiddenLine xmlns:a14="http://schemas.microsoft.com/office/drawing/2010/main" xmlns="" w="9525">
                   <a:solidFill>
                     <a:srgbClr val="000000"/>
                   </a:solidFill>
@@ -2272,7 +2272,7 @@
             </a:ln>
             <a:extLst>
               <a:ext uri="{91240B29-F687-4f45-9708-019B960494DF}">
-                <a14:hiddenLine xmlns="" xmlns:a14="http://schemas.microsoft.com/office/drawing/2010/main" w="9525">
+                <a14:hiddenLine xmlns:a14="http://schemas.microsoft.com/office/drawing/2010/main" xmlns="" w="9525">
                   <a:solidFill>
                     <a:srgbClr val="000000"/>
                   </a:solidFill>
@@ -2362,7 +2362,7 @@
             </a:ln>
             <a:extLst>
               <a:ext uri="{91240B29-F687-4f45-9708-019B960494DF}">
-                <a14:hiddenLine xmlns="" xmlns:a14="http://schemas.microsoft.com/office/drawing/2010/main" w="9525">
+                <a14:hiddenLine xmlns:a14="http://schemas.microsoft.com/office/drawing/2010/main" xmlns="" w="9525">
                   <a:solidFill>
                     <a:srgbClr val="000000"/>
                   </a:solidFill>
@@ -2430,7 +2430,7 @@
             </a:ln>
             <a:extLst>
               <a:ext uri="{91240B29-F687-4f45-9708-019B960494DF}">
-                <a14:hiddenLine xmlns="" xmlns:a14="http://schemas.microsoft.com/office/drawing/2010/main" w="9525">
+                <a14:hiddenLine xmlns:a14="http://schemas.microsoft.com/office/drawing/2010/main" xmlns="" w="9525">
                   <a:solidFill>
                     <a:srgbClr val="000000"/>
                   </a:solidFill>
@@ -2520,7 +2520,7 @@
             </a:ln>
             <a:extLst>
               <a:ext uri="{91240B29-F687-4f45-9708-019B960494DF}">
-                <a14:hiddenLine xmlns="" xmlns:a14="http://schemas.microsoft.com/office/drawing/2010/main" w="9525">
+                <a14:hiddenLine xmlns:a14="http://schemas.microsoft.com/office/drawing/2010/main" xmlns="" w="9525">
                   <a:solidFill>
                     <a:srgbClr val="000000"/>
                   </a:solidFill>
@@ -2554,7 +2554,7 @@
             </a:ln>
             <a:extLst>
               <a:ext uri="{91240B29-F687-4f45-9708-019B960494DF}">
-                <a14:hiddenLine xmlns="" xmlns:a14="http://schemas.microsoft.com/office/drawing/2010/main" w="9525">
+                <a14:hiddenLine xmlns:a14="http://schemas.microsoft.com/office/drawing/2010/main" xmlns="" w="9525">
                   <a:solidFill>
                     <a:srgbClr val="000000"/>
                   </a:solidFill>
@@ -2644,7 +2644,7 @@
             </a:ln>
             <a:extLst>
               <a:ext uri="{91240B29-F687-4f45-9708-019B960494DF}">
-                <a14:hiddenLine xmlns="" xmlns:a14="http://schemas.microsoft.com/office/drawing/2010/main" w="9525">
+                <a14:hiddenLine xmlns:a14="http://schemas.microsoft.com/office/drawing/2010/main" xmlns="" w="9525">
                   <a:solidFill>
                     <a:srgbClr val="000000"/>
                   </a:solidFill>
@@ -2706,7 +2706,7 @@
             </a:ln>
             <a:extLst>
               <a:ext uri="{91240B29-F687-4f45-9708-019B960494DF}">
-                <a14:hiddenLine xmlns="" xmlns:a14="http://schemas.microsoft.com/office/drawing/2010/main" w="9525">
+                <a14:hiddenLine xmlns:a14="http://schemas.microsoft.com/office/drawing/2010/main" xmlns="" w="9525">
                   <a:solidFill>
                     <a:srgbClr val="000000"/>
                   </a:solidFill>
@@ -2768,7 +2768,7 @@
             </a:ln>
             <a:extLst>
               <a:ext uri="{91240B29-F687-4f45-9708-019B960494DF}">
-                <a14:hiddenLine xmlns="" xmlns:a14="http://schemas.microsoft.com/office/drawing/2010/main" w="9525">
+                <a14:hiddenLine xmlns:a14="http://schemas.microsoft.com/office/drawing/2010/main" xmlns="" w="9525">
                   <a:solidFill>
                     <a:srgbClr val="000000"/>
                   </a:solidFill>
@@ -2858,7 +2858,7 @@
             </a:ln>
             <a:extLst>
               <a:ext uri="{91240B29-F687-4f45-9708-019B960494DF}">
-                <a14:hiddenLine xmlns="" xmlns:a14="http://schemas.microsoft.com/office/drawing/2010/main" w="9525">
+                <a14:hiddenLine xmlns:a14="http://schemas.microsoft.com/office/drawing/2010/main" xmlns="" w="9525">
                   <a:solidFill>
                     <a:srgbClr val="000000"/>
                   </a:solidFill>
@@ -2926,7 +2926,7 @@
             </a:ln>
             <a:extLst>
               <a:ext uri="{91240B29-F687-4f45-9708-019B960494DF}">
-                <a14:hiddenLine xmlns="" xmlns:a14="http://schemas.microsoft.com/office/drawing/2010/main" w="9525">
+                <a14:hiddenLine xmlns:a14="http://schemas.microsoft.com/office/drawing/2010/main" xmlns="" w="9525">
                   <a:solidFill>
                     <a:srgbClr val="000000"/>
                   </a:solidFill>
@@ -2988,7 +2988,7 @@
             </a:ln>
             <a:extLst>
               <a:ext uri="{91240B29-F687-4f45-9708-019B960494DF}">
-                <a14:hiddenLine xmlns="" xmlns:a14="http://schemas.microsoft.com/office/drawing/2010/main" w="9525">
+                <a14:hiddenLine xmlns:a14="http://schemas.microsoft.com/office/drawing/2010/main" xmlns="" w="9525">
                   <a:solidFill>
                     <a:srgbClr val="000000"/>
                   </a:solidFill>
@@ -3078,7 +3078,7 @@
             </a:ln>
             <a:extLst>
               <a:ext uri="{91240B29-F687-4f45-9708-019B960494DF}">
-                <a14:hiddenLine xmlns="" xmlns:a14="http://schemas.microsoft.com/office/drawing/2010/main" w="9525">
+                <a14:hiddenLine xmlns:a14="http://schemas.microsoft.com/office/drawing/2010/main" xmlns="" w="9525">
                   <a:solidFill>
                     <a:srgbClr val="000000"/>
                   </a:solidFill>
@@ -3140,7 +3140,7 @@
             </a:ln>
             <a:extLst>
               <a:ext uri="{91240B29-F687-4f45-9708-019B960494DF}">
-                <a14:hiddenLine xmlns="" xmlns:a14="http://schemas.microsoft.com/office/drawing/2010/main" w="9525">
+                <a14:hiddenLine xmlns:a14="http://schemas.microsoft.com/office/drawing/2010/main" xmlns="" w="9525">
                   <a:solidFill>
                     <a:srgbClr val="000000"/>
                   </a:solidFill>
@@ -3230,7 +3230,7 @@
             </a:ln>
             <a:extLst>
               <a:ext uri="{91240B29-F687-4f45-9708-019B960494DF}">
-                <a14:hiddenLine xmlns="" xmlns:a14="http://schemas.microsoft.com/office/drawing/2010/main" w="9525">
+                <a14:hiddenLine xmlns:a14="http://schemas.microsoft.com/office/drawing/2010/main" xmlns="" w="9525">
                   <a:solidFill>
                     <a:srgbClr val="000000"/>
                   </a:solidFill>
@@ -3292,7 +3292,7 @@
             </a:ln>
             <a:extLst>
               <a:ext uri="{91240B29-F687-4f45-9708-019B960494DF}">
-                <a14:hiddenLine xmlns="" xmlns:a14="http://schemas.microsoft.com/office/drawing/2010/main" w="9525">
+                <a14:hiddenLine xmlns:a14="http://schemas.microsoft.com/office/drawing/2010/main" xmlns="" w="9525">
                   <a:solidFill>
                     <a:srgbClr val="000000"/>
                   </a:solidFill>
@@ -3382,7 +3382,7 @@
             </a:ln>
             <a:extLst>
               <a:ext uri="{91240B29-F687-4f45-9708-019B960494DF}">
-                <a14:hiddenLine xmlns="" xmlns:a14="http://schemas.microsoft.com/office/drawing/2010/main" w="9525">
+                <a14:hiddenLine xmlns:a14="http://schemas.microsoft.com/office/drawing/2010/main" xmlns="" w="9525">
                   <a:solidFill>
                     <a:srgbClr val="000000"/>
                   </a:solidFill>
@@ -3416,7 +3416,7 @@
             </a:ln>
             <a:extLst>
               <a:ext uri="{91240B29-F687-4f45-9708-019B960494DF}">
-                <a14:hiddenLine xmlns="" xmlns:a14="http://schemas.microsoft.com/office/drawing/2010/main" w="9525">
+                <a14:hiddenLine xmlns:a14="http://schemas.microsoft.com/office/drawing/2010/main" xmlns="" w="9525">
                   <a:solidFill>
                     <a:srgbClr val="000000"/>
                   </a:solidFill>
@@ -3481,7 +3481,7 @@
             </a:ln>
             <a:extLst>
               <a:ext uri="{91240B29-F687-4f45-9708-019B960494DF}">
-                <a14:hiddenLine xmlns="" xmlns:a14="http://schemas.microsoft.com/office/drawing/2010/main" w="9525">
+                <a14:hiddenLine xmlns:a14="http://schemas.microsoft.com/office/drawing/2010/main" xmlns="" w="9525">
                   <a:solidFill>
                     <a:srgbClr val="000000"/>
                   </a:solidFill>
@@ -3571,7 +3571,7 @@
             </a:ln>
             <a:extLst>
               <a:ext uri="{91240B29-F687-4f45-9708-019B960494DF}">
-                <a14:hiddenLine xmlns="" xmlns:a14="http://schemas.microsoft.com/office/drawing/2010/main" w="9525">
+                <a14:hiddenLine xmlns:a14="http://schemas.microsoft.com/office/drawing/2010/main" xmlns="" w="9525">
                   <a:solidFill>
                     <a:srgbClr val="000000"/>
                   </a:solidFill>
@@ -3633,7 +3633,7 @@
             </a:ln>
             <a:extLst>
               <a:ext uri="{91240B29-F687-4f45-9708-019B960494DF}">
-                <a14:hiddenLine xmlns="" xmlns:a14="http://schemas.microsoft.com/office/drawing/2010/main" w="9525">
+                <a14:hiddenLine xmlns:a14="http://schemas.microsoft.com/office/drawing/2010/main" xmlns="" w="9525">
                   <a:solidFill>
                     <a:srgbClr val="000000"/>
                   </a:solidFill>
@@ -3723,7 +3723,7 @@
             </a:ln>
             <a:extLst>
               <a:ext uri="{91240B29-F687-4f45-9708-019B960494DF}">
-                <a14:hiddenLine xmlns="" xmlns:a14="http://schemas.microsoft.com/office/drawing/2010/main" w="9525">
+                <a14:hiddenLine xmlns:a14="http://schemas.microsoft.com/office/drawing/2010/main" xmlns="" w="9525">
                   <a:solidFill>
                     <a:srgbClr val="000000"/>
                   </a:solidFill>
@@ -3813,7 +3813,7 @@
             </a:ln>
             <a:extLst>
               <a:ext uri="{91240B29-F687-4f45-9708-019B960494DF}">
-                <a14:hiddenLine xmlns="" xmlns:a14="http://schemas.microsoft.com/office/drawing/2010/main" w="9525">
+                <a14:hiddenLine xmlns:a14="http://schemas.microsoft.com/office/drawing/2010/main" xmlns="" w="9525">
                   <a:solidFill>
                     <a:srgbClr val="000000"/>
                   </a:solidFill>
@@ -3878,7 +3878,7 @@
             </a:ln>
             <a:extLst>
               <a:ext uri="{91240B29-F687-4f45-9708-019B960494DF}">
-                <a14:hiddenLine xmlns="" xmlns:a14="http://schemas.microsoft.com/office/drawing/2010/main" w="9525">
+                <a14:hiddenLine xmlns:a14="http://schemas.microsoft.com/office/drawing/2010/main" xmlns="" w="9525">
                   <a:solidFill>
                     <a:srgbClr val="000000"/>
                   </a:solidFill>
@@ -3940,7 +3940,7 @@
             </a:ln>
             <a:extLst>
               <a:ext uri="{91240B29-F687-4f45-9708-019B960494DF}">
-                <a14:hiddenLine xmlns="" xmlns:a14="http://schemas.microsoft.com/office/drawing/2010/main" w="9525">
+                <a14:hiddenLine xmlns:a14="http://schemas.microsoft.com/office/drawing/2010/main" xmlns="" w="9525">
                   <a:solidFill>
                     <a:srgbClr val="000000"/>
                   </a:solidFill>
@@ -4030,7 +4030,7 @@
             </a:ln>
             <a:extLst>
               <a:ext uri="{91240B29-F687-4f45-9708-019B960494DF}">
-                <a14:hiddenLine xmlns="" xmlns:a14="http://schemas.microsoft.com/office/drawing/2010/main" w="9525">
+                <a14:hiddenLine xmlns:a14="http://schemas.microsoft.com/office/drawing/2010/main" xmlns="" w="9525">
                   <a:solidFill>
                     <a:srgbClr val="000000"/>
                   </a:solidFill>
@@ -4120,7 +4120,7 @@
             </a:ln>
             <a:extLst>
               <a:ext uri="{91240B29-F687-4f45-9708-019B960494DF}">
-                <a14:hiddenLine xmlns="" xmlns:a14="http://schemas.microsoft.com/office/drawing/2010/main" w="9525">
+                <a14:hiddenLine xmlns:a14="http://schemas.microsoft.com/office/drawing/2010/main" xmlns="" w="9525">
                   <a:solidFill>
                     <a:srgbClr val="000000"/>
                   </a:solidFill>
@@ -4182,7 +4182,7 @@
             </a:ln>
             <a:extLst>
               <a:ext uri="{91240B29-F687-4f45-9708-019B960494DF}">
-                <a14:hiddenLine xmlns="" xmlns:a14="http://schemas.microsoft.com/office/drawing/2010/main" w="9525">
+                <a14:hiddenLine xmlns:a14="http://schemas.microsoft.com/office/drawing/2010/main" xmlns="" w="9525">
                   <a:solidFill>
                     <a:srgbClr val="000000"/>
                   </a:solidFill>
@@ -4302,7 +4302,7 @@
             </a:ln>
             <a:extLst>
               <a:ext uri="{91240B29-F687-4f45-9708-019B960494DF}">
-                <a14:hiddenLine xmlns="" xmlns:a14="http://schemas.microsoft.com/office/drawing/2010/main" w="9525">
+                <a14:hiddenLine xmlns:a14="http://schemas.microsoft.com/office/drawing/2010/main" xmlns="" w="9525">
                   <a:solidFill>
                     <a:srgbClr val="000000"/>
                   </a:solidFill>
@@ -4370,7 +4370,7 @@
             </a:ln>
             <a:extLst>
               <a:ext uri="{91240B29-F687-4f45-9708-019B960494DF}">
-                <a14:hiddenLine xmlns="" xmlns:a14="http://schemas.microsoft.com/office/drawing/2010/main" w="9525">
+                <a14:hiddenLine xmlns:a14="http://schemas.microsoft.com/office/drawing/2010/main" xmlns="" w="9525">
                   <a:solidFill>
                     <a:srgbClr val="000000"/>
                   </a:solidFill>
@@ -4460,7 +4460,7 @@
             </a:ln>
             <a:extLst>
               <a:ext uri="{91240B29-F687-4f45-9708-019B960494DF}">
-                <a14:hiddenLine xmlns="" xmlns:a14="http://schemas.microsoft.com/office/drawing/2010/main" w="9525">
+                <a14:hiddenLine xmlns:a14="http://schemas.microsoft.com/office/drawing/2010/main" xmlns="" w="9525">
                   <a:solidFill>
                     <a:srgbClr val="000000"/>
                   </a:solidFill>
@@ -4600,7 +4600,7 @@
           <a:p>
             <a:fld id="{48A87A34-81AB-432B-8DAE-1953F412C126}" type="datetimeFigureOut">
               <a:rPr lang="en-US" dirty="0"/>
-              <a:t>4/30/2023</a:t>
+              <a:t>5/3/2023</a:t>
             </a:fld>
             <a:endParaRPr lang="en-US" dirty="0"/>
           </a:p>
@@ -4862,7 +4862,7 @@
           <a:p>
             <a:fld id="{48A87A34-81AB-432B-8DAE-1953F412C126}" type="datetimeFigureOut">
               <a:rPr lang="en-US" dirty="0"/>
-              <a:t>4/30/2023</a:t>
+              <a:t>5/3/2023</a:t>
             </a:fld>
             <a:endParaRPr lang="en-US" dirty="0"/>
           </a:p>
@@ -5053,7 +5053,7 @@
           <a:p>
             <a:fld id="{48A87A34-81AB-432B-8DAE-1953F412C126}" type="datetimeFigureOut">
               <a:rPr lang="en-US" dirty="0"/>
-              <a:t>4/30/2023</a:t>
+              <a:t>5/3/2023</a:t>
             </a:fld>
             <a:endParaRPr lang="en-US" dirty="0"/>
           </a:p>
@@ -5311,7 +5311,7 @@
           <a:p>
             <a:fld id="{48A87A34-81AB-432B-8DAE-1953F412C126}" type="datetimeFigureOut">
               <a:rPr lang="en-US" dirty="0"/>
-              <a:t>4/30/2023</a:t>
+              <a:t>5/3/2023</a:t>
             </a:fld>
             <a:endParaRPr lang="en-US" dirty="0"/>
           </a:p>
@@ -5740,7 +5740,7 @@
           <a:p>
             <a:fld id="{48A87A34-81AB-432B-8DAE-1953F412C126}" type="datetimeFigureOut">
               <a:rPr lang="en-US" dirty="0"/>
-              <a:t>4/30/2023</a:t>
+              <a:t>5/3/2023</a:t>
             </a:fld>
             <a:endParaRPr lang="en-US" dirty="0"/>
           </a:p>
@@ -6281,7 +6281,7 @@
           <a:p>
             <a:fld id="{48A87A34-81AB-432B-8DAE-1953F412C126}" type="datetimeFigureOut">
               <a:rPr lang="en-US" dirty="0"/>
-              <a:t>4/30/2023</a:t>
+              <a:t>5/3/2023</a:t>
             </a:fld>
             <a:endParaRPr lang="en-US" dirty="0"/>
           </a:p>
@@ -6996,7 +6996,7 @@
           <a:p>
             <a:fld id="{48A87A34-81AB-432B-8DAE-1953F412C126}" type="datetimeFigureOut">
               <a:rPr lang="en-US" dirty="0"/>
-              <a:t>4/30/2023</a:t>
+              <a:t>5/3/2023</a:t>
             </a:fld>
             <a:endParaRPr lang="en-US" dirty="0"/>
           </a:p>
@@ -7161,7 +7161,7 @@
           <a:p>
             <a:fld id="{48A87A34-81AB-432B-8DAE-1953F412C126}" type="datetimeFigureOut">
               <a:rPr lang="en-US" dirty="0"/>
-              <a:t>4/30/2023</a:t>
+              <a:t>5/3/2023</a:t>
             </a:fld>
             <a:endParaRPr lang="en-US" dirty="0"/>
           </a:p>
@@ -7336,7 +7336,7 @@
           <a:p>
             <a:fld id="{48A87A34-81AB-432B-8DAE-1953F412C126}" type="datetimeFigureOut">
               <a:rPr lang="en-US" dirty="0"/>
-              <a:t>4/30/2023</a:t>
+              <a:t>5/3/2023</a:t>
             </a:fld>
             <a:endParaRPr lang="en-US" dirty="0"/>
           </a:p>
@@ -7501,7 +7501,7 @@
           <a:p>
             <a:fld id="{48A87A34-81AB-432B-8DAE-1953F412C126}" type="datetimeFigureOut">
               <a:rPr lang="en-US" dirty="0"/>
-              <a:t>4/30/2023</a:t>
+              <a:t>5/3/2023</a:t>
             </a:fld>
             <a:endParaRPr lang="en-US" dirty="0"/>
           </a:p>
@@ -7746,7 +7746,7 @@
           <a:p>
             <a:fld id="{48A87A34-81AB-432B-8DAE-1953F412C126}" type="datetimeFigureOut">
               <a:rPr lang="en-US" dirty="0"/>
-              <a:t>4/30/2023</a:t>
+              <a:t>5/3/2023</a:t>
             </a:fld>
             <a:endParaRPr lang="en-US" dirty="0"/>
           </a:p>
@@ -7973,7 +7973,7 @@
           <a:p>
             <a:fld id="{48A87A34-81AB-432B-8DAE-1953F412C126}" type="datetimeFigureOut">
               <a:rPr lang="en-US" dirty="0"/>
-              <a:t>4/30/2023</a:t>
+              <a:t>5/3/2023</a:t>
             </a:fld>
             <a:endParaRPr lang="en-US" dirty="0"/>
           </a:p>
@@ -8349,7 +8349,7 @@
           <a:p>
             <a:fld id="{48A87A34-81AB-432B-8DAE-1953F412C126}" type="datetimeFigureOut">
               <a:rPr lang="en-US" dirty="0"/>
-              <a:t>4/30/2023</a:t>
+              <a:t>5/3/2023</a:t>
             </a:fld>
             <a:endParaRPr lang="en-US" dirty="0"/>
           </a:p>
@@ -8462,7 +8462,7 @@
           <a:p>
             <a:fld id="{48A87A34-81AB-432B-8DAE-1953F412C126}" type="datetimeFigureOut">
               <a:rPr lang="en-US" dirty="0"/>
-              <a:t>4/30/2023</a:t>
+              <a:t>5/3/2023</a:t>
             </a:fld>
             <a:endParaRPr lang="en-US" dirty="0"/>
           </a:p>
@@ -8552,7 +8552,7 @@
           <a:p>
             <a:fld id="{48A87A34-81AB-432B-8DAE-1953F412C126}" type="datetimeFigureOut">
               <a:rPr lang="en-US" dirty="0"/>
-              <a:t>4/30/2023</a:t>
+              <a:t>5/3/2023</a:t>
             </a:fld>
             <a:endParaRPr lang="en-US" dirty="0"/>
           </a:p>
@@ -8796,7 +8796,7 @@
           <a:p>
             <a:fld id="{48A87A34-81AB-432B-8DAE-1953F412C126}" type="datetimeFigureOut">
               <a:rPr lang="en-US" dirty="0"/>
-              <a:t>4/30/2023</a:t>
+              <a:t>5/3/2023</a:t>
             </a:fld>
             <a:endParaRPr lang="en-US" dirty="0"/>
           </a:p>
@@ -9071,7 +9071,7 @@
           <a:p>
             <a:fld id="{48A87A34-81AB-432B-8DAE-1953F412C126}" type="datetimeFigureOut">
               <a:rPr lang="en-US" dirty="0"/>
-              <a:t>4/30/2023</a:t>
+              <a:t>5/3/2023</a:t>
             </a:fld>
             <a:endParaRPr lang="en-US" dirty="0"/>
           </a:p>
@@ -9182,7 +9182,7 @@
           <a:noFill/>
           <a:extLst>
             <a:ext uri="{909E8E84-426E-40dd-AFC4-6F175D3DCCD1}">
-              <a14:hiddenFill xmlns="" xmlns:a14="http://schemas.microsoft.com/office/drawing/2010/main">
+              <a14:hiddenFill xmlns:a14="http://schemas.microsoft.com/office/drawing/2010/main" xmlns="">
                 <a:solidFill>
                   <a:srgbClr val="FFFFFF"/>
                 </a:solidFill>
@@ -9256,7 +9256,7 @@
               </a:ln>
               <a:extLst>
                 <a:ext uri="{91240B29-F687-4f45-9708-019B960494DF}">
-                  <a14:hiddenLine xmlns="" xmlns:a14="http://schemas.microsoft.com/office/drawing/2010/main" w="9525">
+                  <a14:hiddenLine xmlns:a14="http://schemas.microsoft.com/office/drawing/2010/main" xmlns="" w="9525">
                     <a:solidFill>
                       <a:srgbClr val="000000"/>
                     </a:solidFill>
@@ -9346,7 +9346,7 @@
               </a:ln>
               <a:extLst>
                 <a:ext uri="{91240B29-F687-4f45-9708-019B960494DF}">
-                  <a14:hiddenLine xmlns="" xmlns:a14="http://schemas.microsoft.com/office/drawing/2010/main" w="9525">
+                  <a14:hiddenLine xmlns:a14="http://schemas.microsoft.com/office/drawing/2010/main" xmlns="" w="9525">
                     <a:solidFill>
                       <a:srgbClr val="000000"/>
                     </a:solidFill>
@@ -9436,7 +9436,7 @@
               </a:ln>
               <a:extLst>
                 <a:ext uri="{91240B29-F687-4f45-9708-019B960494DF}">
-                  <a14:hiddenLine xmlns="" xmlns:a14="http://schemas.microsoft.com/office/drawing/2010/main" w="9525">
+                  <a14:hiddenLine xmlns:a14="http://schemas.microsoft.com/office/drawing/2010/main" xmlns="" w="9525">
                     <a:solidFill>
                       <a:srgbClr val="000000"/>
                     </a:solidFill>
@@ -9498,7 +9498,7 @@
               </a:ln>
               <a:extLst>
                 <a:ext uri="{91240B29-F687-4f45-9708-019B960494DF}">
-                  <a14:hiddenLine xmlns="" xmlns:a14="http://schemas.microsoft.com/office/drawing/2010/main" w="9525">
+                  <a14:hiddenLine xmlns:a14="http://schemas.microsoft.com/office/drawing/2010/main" xmlns="" w="9525">
                     <a:solidFill>
                       <a:srgbClr val="000000"/>
                     </a:solidFill>
@@ -9588,7 +9588,7 @@
               </a:ln>
               <a:extLst>
                 <a:ext uri="{91240B29-F687-4f45-9708-019B960494DF}">
-                  <a14:hiddenLine xmlns="" xmlns:a14="http://schemas.microsoft.com/office/drawing/2010/main" w="9525">
+                  <a14:hiddenLine xmlns:a14="http://schemas.microsoft.com/office/drawing/2010/main" xmlns="" w="9525">
                     <a:solidFill>
                       <a:srgbClr val="000000"/>
                     </a:solidFill>
@@ -9650,7 +9650,7 @@
               </a:ln>
               <a:extLst>
                 <a:ext uri="{91240B29-F687-4f45-9708-019B960494DF}">
-                  <a14:hiddenLine xmlns="" xmlns:a14="http://schemas.microsoft.com/office/drawing/2010/main" w="9525">
+                  <a14:hiddenLine xmlns:a14="http://schemas.microsoft.com/office/drawing/2010/main" xmlns="" w="9525">
                     <a:solidFill>
                       <a:srgbClr val="000000"/>
                     </a:solidFill>
@@ -9712,7 +9712,7 @@
               </a:ln>
               <a:extLst>
                 <a:ext uri="{91240B29-F687-4f45-9708-019B960494DF}">
-                  <a14:hiddenLine xmlns="" xmlns:a14="http://schemas.microsoft.com/office/drawing/2010/main" w="9525">
+                  <a14:hiddenLine xmlns:a14="http://schemas.microsoft.com/office/drawing/2010/main" xmlns="" w="9525">
                     <a:solidFill>
                       <a:srgbClr val="000000"/>
                     </a:solidFill>
@@ -9802,7 +9802,7 @@
               </a:ln>
               <a:extLst>
                 <a:ext uri="{91240B29-F687-4f45-9708-019B960494DF}">
-                  <a14:hiddenLine xmlns="" xmlns:a14="http://schemas.microsoft.com/office/drawing/2010/main" w="9525">
+                  <a14:hiddenLine xmlns:a14="http://schemas.microsoft.com/office/drawing/2010/main" xmlns="" w="9525">
                     <a:solidFill>
                       <a:srgbClr val="000000"/>
                     </a:solidFill>
@@ -9892,7 +9892,7 @@
               </a:ln>
               <a:extLst>
                 <a:ext uri="{91240B29-F687-4f45-9708-019B960494DF}">
-                  <a14:hiddenLine xmlns="" xmlns:a14="http://schemas.microsoft.com/office/drawing/2010/main" w="9525">
+                  <a14:hiddenLine xmlns:a14="http://schemas.microsoft.com/office/drawing/2010/main" xmlns="" w="9525">
                     <a:solidFill>
                       <a:srgbClr val="000000"/>
                     </a:solidFill>
@@ -9954,7 +9954,7 @@
               </a:ln>
               <a:extLst>
                 <a:ext uri="{91240B29-F687-4f45-9708-019B960494DF}">
-                  <a14:hiddenLine xmlns="" xmlns:a14="http://schemas.microsoft.com/office/drawing/2010/main" w="9525">
+                  <a14:hiddenLine xmlns:a14="http://schemas.microsoft.com/office/drawing/2010/main" xmlns="" w="9525">
                     <a:solidFill>
                       <a:srgbClr val="000000"/>
                     </a:solidFill>
@@ -10064,7 +10064,7 @@
               </a:ln>
               <a:extLst>
                 <a:ext uri="{91240B29-F687-4f45-9708-019B960494DF}">
-                  <a14:hiddenLine xmlns="" xmlns:a14="http://schemas.microsoft.com/office/drawing/2010/main" w="9525">
+                  <a14:hiddenLine xmlns:a14="http://schemas.microsoft.com/office/drawing/2010/main" xmlns="" w="9525">
                     <a:solidFill>
                       <a:srgbClr val="000000"/>
                     </a:solidFill>
@@ -10148,7 +10148,7 @@
               </a:ln>
               <a:extLst>
                 <a:ext uri="{91240B29-F687-4f45-9708-019B960494DF}">
-                  <a14:hiddenLine xmlns="" xmlns:a14="http://schemas.microsoft.com/office/drawing/2010/main" w="9525">
+                  <a14:hiddenLine xmlns:a14="http://schemas.microsoft.com/office/drawing/2010/main" xmlns="" w="9525">
                     <a:solidFill>
                       <a:srgbClr val="000000"/>
                     </a:solidFill>
@@ -10210,7 +10210,7 @@
               </a:ln>
               <a:extLst>
                 <a:ext uri="{91240B29-F687-4f45-9708-019B960494DF}">
-                  <a14:hiddenLine xmlns="" xmlns:a14="http://schemas.microsoft.com/office/drawing/2010/main" w="9525">
+                  <a14:hiddenLine xmlns:a14="http://schemas.microsoft.com/office/drawing/2010/main" xmlns="" w="9525">
                     <a:solidFill>
                       <a:srgbClr val="000000"/>
                     </a:solidFill>
@@ -10272,7 +10272,7 @@
               </a:ln>
               <a:extLst>
                 <a:ext uri="{91240B29-F687-4f45-9708-019B960494DF}">
-                  <a14:hiddenLine xmlns="" xmlns:a14="http://schemas.microsoft.com/office/drawing/2010/main" w="9525">
+                  <a14:hiddenLine xmlns:a14="http://schemas.microsoft.com/office/drawing/2010/main" xmlns="" w="9525">
                     <a:solidFill>
                       <a:srgbClr val="000000"/>
                     </a:solidFill>
@@ -10362,7 +10362,7 @@
               </a:ln>
               <a:extLst>
                 <a:ext uri="{91240B29-F687-4f45-9708-019B960494DF}">
-                  <a14:hiddenLine xmlns="" xmlns:a14="http://schemas.microsoft.com/office/drawing/2010/main" w="9525">
+                  <a14:hiddenLine xmlns:a14="http://schemas.microsoft.com/office/drawing/2010/main" xmlns="" w="9525">
                     <a:solidFill>
                       <a:srgbClr val="000000"/>
                     </a:solidFill>
@@ -10396,7 +10396,7 @@
               </a:ln>
               <a:extLst>
                 <a:ext uri="{91240B29-F687-4f45-9708-019B960494DF}">
-                  <a14:hiddenLine xmlns="" xmlns:a14="http://schemas.microsoft.com/office/drawing/2010/main" w="9525">
+                  <a14:hiddenLine xmlns:a14="http://schemas.microsoft.com/office/drawing/2010/main" xmlns="" w="9525">
                     <a:solidFill>
                       <a:srgbClr val="000000"/>
                     </a:solidFill>
@@ -10461,7 +10461,7 @@
               </a:ln>
               <a:extLst>
                 <a:ext uri="{91240B29-F687-4f45-9708-019B960494DF}">
-                  <a14:hiddenLine xmlns="" xmlns:a14="http://schemas.microsoft.com/office/drawing/2010/main" w="9525">
+                  <a14:hiddenLine xmlns:a14="http://schemas.microsoft.com/office/drawing/2010/main" xmlns="" w="9525">
                     <a:solidFill>
                       <a:srgbClr val="000000"/>
                     </a:solidFill>
@@ -10551,7 +10551,7 @@
               </a:ln>
               <a:extLst>
                 <a:ext uri="{91240B29-F687-4f45-9708-019B960494DF}">
-                  <a14:hiddenLine xmlns="" xmlns:a14="http://schemas.microsoft.com/office/drawing/2010/main" w="9525">
+                  <a14:hiddenLine xmlns:a14="http://schemas.microsoft.com/office/drawing/2010/main" xmlns="" w="9525">
                     <a:solidFill>
                       <a:srgbClr val="000000"/>
                     </a:solidFill>
@@ -10613,7 +10613,7 @@
               </a:ln>
               <a:extLst>
                 <a:ext uri="{91240B29-F687-4f45-9708-019B960494DF}">
-                  <a14:hiddenLine xmlns="" xmlns:a14="http://schemas.microsoft.com/office/drawing/2010/main" w="9525">
+                  <a14:hiddenLine xmlns:a14="http://schemas.microsoft.com/office/drawing/2010/main" xmlns="" w="9525">
                     <a:solidFill>
                       <a:srgbClr val="000000"/>
                     </a:solidFill>
@@ -10703,7 +10703,7 @@
               </a:ln>
               <a:extLst>
                 <a:ext uri="{91240B29-F687-4f45-9708-019B960494DF}">
-                  <a14:hiddenLine xmlns="" xmlns:a14="http://schemas.microsoft.com/office/drawing/2010/main" w="9525">
+                  <a14:hiddenLine xmlns:a14="http://schemas.microsoft.com/office/drawing/2010/main" xmlns="" w="9525">
                     <a:solidFill>
                       <a:srgbClr val="000000"/>
                     </a:solidFill>
@@ -10768,7 +10768,7 @@
               </a:ln>
               <a:extLst>
                 <a:ext uri="{91240B29-F687-4f45-9708-019B960494DF}">
-                  <a14:hiddenLine xmlns="" xmlns:a14="http://schemas.microsoft.com/office/drawing/2010/main" w="9525">
+                  <a14:hiddenLine xmlns:a14="http://schemas.microsoft.com/office/drawing/2010/main" xmlns="" w="9525">
                     <a:solidFill>
                       <a:srgbClr val="000000"/>
                     </a:solidFill>
@@ -10830,7 +10830,7 @@
               </a:ln>
               <a:extLst>
                 <a:ext uri="{91240B29-F687-4f45-9708-019B960494DF}">
-                  <a14:hiddenLine xmlns="" xmlns:a14="http://schemas.microsoft.com/office/drawing/2010/main" w="9525">
+                  <a14:hiddenLine xmlns:a14="http://schemas.microsoft.com/office/drawing/2010/main" xmlns="" w="9525">
                     <a:solidFill>
                       <a:srgbClr val="000000"/>
                     </a:solidFill>
@@ -10920,7 +10920,7 @@
               </a:ln>
               <a:extLst>
                 <a:ext uri="{91240B29-F687-4f45-9708-019B960494DF}">
-                  <a14:hiddenLine xmlns="" xmlns:a14="http://schemas.microsoft.com/office/drawing/2010/main" w="9525">
+                  <a14:hiddenLine xmlns:a14="http://schemas.microsoft.com/office/drawing/2010/main" xmlns="" w="9525">
                     <a:solidFill>
                       <a:srgbClr val="000000"/>
                     </a:solidFill>
@@ -11010,7 +11010,7 @@
               </a:ln>
               <a:extLst>
                 <a:ext uri="{91240B29-F687-4f45-9708-019B960494DF}">
-                  <a14:hiddenLine xmlns="" xmlns:a14="http://schemas.microsoft.com/office/drawing/2010/main" w="9525">
+                  <a14:hiddenLine xmlns:a14="http://schemas.microsoft.com/office/drawing/2010/main" xmlns="" w="9525">
                     <a:solidFill>
                       <a:srgbClr val="000000"/>
                     </a:solidFill>
@@ -11075,7 +11075,7 @@
               </a:ln>
               <a:extLst>
                 <a:ext uri="{91240B29-F687-4f45-9708-019B960494DF}">
-                  <a14:hiddenLine xmlns="" xmlns:a14="http://schemas.microsoft.com/office/drawing/2010/main" w="9525">
+                  <a14:hiddenLine xmlns:a14="http://schemas.microsoft.com/office/drawing/2010/main" xmlns="" w="9525">
                     <a:solidFill>
                       <a:srgbClr val="000000"/>
                     </a:solidFill>
@@ -11195,7 +11195,7 @@
               </a:ln>
               <a:extLst>
                 <a:ext uri="{91240B29-F687-4f45-9708-019B960494DF}">
-                  <a14:hiddenLine xmlns="" xmlns:a14="http://schemas.microsoft.com/office/drawing/2010/main" w="9525">
+                  <a14:hiddenLine xmlns:a14="http://schemas.microsoft.com/office/drawing/2010/main" xmlns="" w="9525">
                     <a:solidFill>
                       <a:srgbClr val="000000"/>
                     </a:solidFill>
@@ -11293,7 +11293,7 @@
               </a:ln>
               <a:extLst>
                 <a:ext uri="{91240B29-F687-4f45-9708-019B960494DF}">
-                  <a14:hiddenLine xmlns="" xmlns:a14="http://schemas.microsoft.com/office/drawing/2010/main" w="9525">
+                  <a14:hiddenLine xmlns:a14="http://schemas.microsoft.com/office/drawing/2010/main" xmlns="" w="9525">
                     <a:solidFill>
                       <a:srgbClr val="000000"/>
                     </a:solidFill>
@@ -11408,7 +11408,7 @@
               </a:ln>
               <a:extLst>
                 <a:ext uri="{91240B29-F687-4f45-9708-019B960494DF}">
-                  <a14:hiddenLine xmlns="" xmlns:a14="http://schemas.microsoft.com/office/drawing/2010/main" w="9525">
+                  <a14:hiddenLine xmlns:a14="http://schemas.microsoft.com/office/drawing/2010/main" xmlns="" w="9525">
                     <a:solidFill>
                       <a:srgbClr val="000000"/>
                     </a:solidFill>
@@ -11498,7 +11498,7 @@
               </a:ln>
               <a:extLst>
                 <a:ext uri="{91240B29-F687-4f45-9708-019B960494DF}">
-                  <a14:hiddenLine xmlns="" xmlns:a14="http://schemas.microsoft.com/office/drawing/2010/main" w="9525">
+                  <a14:hiddenLine xmlns:a14="http://schemas.microsoft.com/office/drawing/2010/main" xmlns="" w="9525">
                     <a:solidFill>
                       <a:srgbClr val="000000"/>
                     </a:solidFill>
@@ -11563,7 +11563,7 @@
               </a:ln>
               <a:extLst>
                 <a:ext uri="{91240B29-F687-4f45-9708-019B960494DF}">
-                  <a14:hiddenLine xmlns="" xmlns:a14="http://schemas.microsoft.com/office/drawing/2010/main" w="9525">
+                  <a14:hiddenLine xmlns:a14="http://schemas.microsoft.com/office/drawing/2010/main" xmlns="" w="9525">
                     <a:solidFill>
                       <a:srgbClr val="000000"/>
                     </a:solidFill>
@@ -11653,7 +11653,7 @@
               </a:ln>
               <a:extLst>
                 <a:ext uri="{91240B29-F687-4f45-9708-019B960494DF}">
-                  <a14:hiddenLine xmlns="" xmlns:a14="http://schemas.microsoft.com/office/drawing/2010/main" w="9525">
+                  <a14:hiddenLine xmlns:a14="http://schemas.microsoft.com/office/drawing/2010/main" xmlns="" w="9525">
                     <a:solidFill>
                       <a:srgbClr val="000000"/>
                     </a:solidFill>
@@ -11721,7 +11721,7 @@
               </a:ln>
               <a:extLst>
                 <a:ext uri="{91240B29-F687-4f45-9708-019B960494DF}">
-                  <a14:hiddenLine xmlns="" xmlns:a14="http://schemas.microsoft.com/office/drawing/2010/main" w="9525">
+                  <a14:hiddenLine xmlns:a14="http://schemas.microsoft.com/office/drawing/2010/main" xmlns="" w="9525">
                     <a:solidFill>
                       <a:srgbClr val="000000"/>
                     </a:solidFill>
@@ -11811,7 +11811,7 @@
               </a:ln>
               <a:extLst>
                 <a:ext uri="{91240B29-F687-4f45-9708-019B960494DF}">
-                  <a14:hiddenLine xmlns="" xmlns:a14="http://schemas.microsoft.com/office/drawing/2010/main" w="9525">
+                  <a14:hiddenLine xmlns:a14="http://schemas.microsoft.com/office/drawing/2010/main" xmlns="" w="9525">
                     <a:solidFill>
                       <a:srgbClr val="000000"/>
                     </a:solidFill>
@@ -11879,7 +11879,7 @@
               </a:ln>
               <a:extLst>
                 <a:ext uri="{91240B29-F687-4f45-9708-019B960494DF}">
-                  <a14:hiddenLine xmlns="" xmlns:a14="http://schemas.microsoft.com/office/drawing/2010/main" w="9525">
+                  <a14:hiddenLine xmlns:a14="http://schemas.microsoft.com/office/drawing/2010/main" xmlns="" w="9525">
                     <a:solidFill>
                       <a:srgbClr val="000000"/>
                     </a:solidFill>
@@ -11969,7 +11969,7 @@
               </a:ln>
               <a:extLst>
                 <a:ext uri="{91240B29-F687-4f45-9708-019B960494DF}">
-                  <a14:hiddenLine xmlns="" xmlns:a14="http://schemas.microsoft.com/office/drawing/2010/main" w="9525">
+                  <a14:hiddenLine xmlns:a14="http://schemas.microsoft.com/office/drawing/2010/main" xmlns="" w="9525">
                     <a:solidFill>
                       <a:srgbClr val="000000"/>
                     </a:solidFill>
@@ -12003,7 +12003,7 @@
               </a:ln>
               <a:extLst>
                 <a:ext uri="{91240B29-F687-4f45-9708-019B960494DF}">
-                  <a14:hiddenLine xmlns="" xmlns:a14="http://schemas.microsoft.com/office/drawing/2010/main" w="9525">
+                  <a14:hiddenLine xmlns:a14="http://schemas.microsoft.com/office/drawing/2010/main" xmlns="" w="9525">
                     <a:solidFill>
                       <a:srgbClr val="000000"/>
                     </a:solidFill>
@@ -12144,7 +12144,7 @@
             <a:fld id="{48A87A34-81AB-432B-8DAE-1953F412C126}" type="datetimeFigureOut">
               <a:rPr lang="en-US" dirty="0"/>
               <a:pPr/>
-              <a:t>4/30/2023</a:t>
+              <a:t>5/3/2023</a:t>
             </a:fld>
             <a:endParaRPr lang="en-US" dirty="0"/>
           </a:p>
@@ -12725,7 +12725,15 @@
           <a:p>
             <a:r>
               <a:rPr lang="fi-FI" dirty="0"/>
-              <a:t>IoT:n syntyessä 2000-luvun alussa MQTT tarjosi hyvän alusta kehitystyölle</a:t>
+              <a:t>MQTT tarjosi hyvän alusta </a:t>
+            </a:r>
+            <a:r>
+              <a:rPr lang="fi-FI" dirty="0" err="1"/>
+              <a:t>IoT:n</a:t>
+            </a:r>
+            <a:r>
+              <a:rPr lang="fi-FI" dirty="0"/>
+              <a:t> kehitystyölle 2000-luvun alussa</a:t>
             </a:r>
           </a:p>
           <a:p>
@@ -13270,7 +13278,7 @@
           <a:p>
             <a:r>
               <a:rPr lang="fi-FI" sz="2000" dirty="0"/>
-              <a:t>Opinnäytetyössä: </a:t>
+              <a:t>Opinnäytetyö: </a:t>
             </a:r>
             <a:r>
               <a:rPr lang="fi-FI" sz="2000" dirty="0">
